--- a/FargoViewWF copy 3.pptx
+++ b/FargoViewWF copy 3.pptx
@@ -4954,10 +4954,10 @@
       </p:grpSpPr>
       <p:pic>
         <p:nvPicPr>
-          <p:cNvPr id="2" name="Picture 1">
+          <p:cNvPr id="5" name="Picture 4">
             <a:extLst>
               <a:ext uri="{FF2B5EF4-FFF2-40B4-BE49-F238E27FC236}">
-                <a16:creationId xmlns:a16="http://schemas.microsoft.com/office/drawing/2014/main" id="{FDDC427C-3C16-669D-F395-C8A1426FD7D4}"/>
+                <a16:creationId xmlns:a16="http://schemas.microsoft.com/office/drawing/2014/main" id="{E50AADDC-7467-C3BB-F189-9E9A1F9E41B8}"/>
               </a:ext>
             </a:extLst>
           </p:cNvPr>
@@ -4982,6 +4982,38 @@
           </a:prstGeom>
         </p:spPr>
       </p:pic>
+      <p:sp>
+        <p:nvSpPr>
+          <p:cNvPr id="6" name="TextBox 5">
+            <a:extLst>
+              <a:ext uri="{FF2B5EF4-FFF2-40B4-BE49-F238E27FC236}">
+                <a16:creationId xmlns:a16="http://schemas.microsoft.com/office/drawing/2014/main" id="{AA3ED2C8-6285-6B1C-BD65-6E8E509084F3}"/>
+              </a:ext>
+            </a:extLst>
+          </p:cNvPr>
+          <p:cNvSpPr txBox="1"/>
+          <p:nvPr/>
+        </p:nvSpPr>
+        <p:spPr>
+          <a:xfrm>
+            <a:off x="9899780" y="74645"/>
+            <a:ext cx="184731" cy="307777"/>
+          </a:xfrm>
+          <a:prstGeom prst="rect">
+            <a:avLst/>
+          </a:prstGeom>
+          <a:noFill/>
+        </p:spPr>
+        <p:txBody>
+          <a:bodyPr wrap="none" rtlCol="0">
+            <a:spAutoFit/>
+          </a:bodyPr>
+          <a:lstStyle/>
+          <a:p>
+            <a:endParaRPr lang="en-US"/>
+          </a:p>
+        </p:txBody>
+      </p:sp>
     </p:spTree>
     <p:extLst>
       <p:ext uri="{BB962C8B-B14F-4D97-AF65-F5344CB8AC3E}">
